--- a/CSharpProgramming/Presentations/ProgPartI/TypesVariables.pptx
+++ b/CSharpProgramming/Presentations/ProgPartI/TypesVariables.pptx
@@ -19,7 +19,6 @@
     <p:sldId id="281" r:id="rId13"/>
     <p:sldId id="282" r:id="rId14"/>
     <p:sldId id="283" r:id="rId15"/>
-    <p:sldId id="284" r:id="rId16"/>
   </p:sldIdLst>
   <p:sldSz cx="12192000" cy="6858000"/>
   <p:notesSz cx="6858000" cy="9144000"/>
@@ -257,7 +256,7 @@
           <a:p>
             <a:fld id="{E15B7D8E-2A20-4C0E-991C-872DBB7459A8}" type="datetimeFigureOut">
               <a:rPr lang="da-DK" smtClean="0"/>
-              <a:t>01-02-2018</a:t>
+              <a:t>11-02-2018</a:t>
             </a:fld>
             <a:endParaRPr lang="da-DK"/>
           </a:p>
@@ -427,7 +426,7 @@
           <a:p>
             <a:fld id="{E15B7D8E-2A20-4C0E-991C-872DBB7459A8}" type="datetimeFigureOut">
               <a:rPr lang="da-DK" smtClean="0"/>
-              <a:t>01-02-2018</a:t>
+              <a:t>11-02-2018</a:t>
             </a:fld>
             <a:endParaRPr lang="da-DK"/>
           </a:p>
@@ -607,7 +606,7 @@
           <a:p>
             <a:fld id="{E15B7D8E-2A20-4C0E-991C-872DBB7459A8}" type="datetimeFigureOut">
               <a:rPr lang="da-DK" smtClean="0"/>
-              <a:t>01-02-2018</a:t>
+              <a:t>11-02-2018</a:t>
             </a:fld>
             <a:endParaRPr lang="da-DK"/>
           </a:p>
@@ -777,7 +776,7 @@
           <a:p>
             <a:fld id="{E15B7D8E-2A20-4C0E-991C-872DBB7459A8}" type="datetimeFigureOut">
               <a:rPr lang="da-DK" smtClean="0"/>
-              <a:t>01-02-2018</a:t>
+              <a:t>11-02-2018</a:t>
             </a:fld>
             <a:endParaRPr lang="da-DK"/>
           </a:p>
@@ -1023,7 +1022,7 @@
           <a:p>
             <a:fld id="{E15B7D8E-2A20-4C0E-991C-872DBB7459A8}" type="datetimeFigureOut">
               <a:rPr lang="da-DK" smtClean="0"/>
-              <a:t>01-02-2018</a:t>
+              <a:t>11-02-2018</a:t>
             </a:fld>
             <a:endParaRPr lang="da-DK"/>
           </a:p>
@@ -1255,7 +1254,7 @@
           <a:p>
             <a:fld id="{E15B7D8E-2A20-4C0E-991C-872DBB7459A8}" type="datetimeFigureOut">
               <a:rPr lang="da-DK" smtClean="0"/>
-              <a:t>01-02-2018</a:t>
+              <a:t>11-02-2018</a:t>
             </a:fld>
             <a:endParaRPr lang="da-DK"/>
           </a:p>
@@ -1622,7 +1621,7 @@
           <a:p>
             <a:fld id="{E15B7D8E-2A20-4C0E-991C-872DBB7459A8}" type="datetimeFigureOut">
               <a:rPr lang="da-DK" smtClean="0"/>
-              <a:t>01-02-2018</a:t>
+              <a:t>11-02-2018</a:t>
             </a:fld>
             <a:endParaRPr lang="da-DK"/>
           </a:p>
@@ -1740,7 +1739,7 @@
           <a:p>
             <a:fld id="{E15B7D8E-2A20-4C0E-991C-872DBB7459A8}" type="datetimeFigureOut">
               <a:rPr lang="da-DK" smtClean="0"/>
-              <a:t>01-02-2018</a:t>
+              <a:t>11-02-2018</a:t>
             </a:fld>
             <a:endParaRPr lang="da-DK"/>
           </a:p>
@@ -1835,7 +1834,7 @@
           <a:p>
             <a:fld id="{E15B7D8E-2A20-4C0E-991C-872DBB7459A8}" type="datetimeFigureOut">
               <a:rPr lang="da-DK" smtClean="0"/>
-              <a:t>01-02-2018</a:t>
+              <a:t>11-02-2018</a:t>
             </a:fld>
             <a:endParaRPr lang="da-DK"/>
           </a:p>
@@ -2112,7 +2111,7 @@
           <a:p>
             <a:fld id="{E15B7D8E-2A20-4C0E-991C-872DBB7459A8}" type="datetimeFigureOut">
               <a:rPr lang="da-DK" smtClean="0"/>
-              <a:t>01-02-2018</a:t>
+              <a:t>11-02-2018</a:t>
             </a:fld>
             <a:endParaRPr lang="da-DK"/>
           </a:p>
@@ -2365,7 +2364,7 @@
           <a:p>
             <a:fld id="{E15B7D8E-2A20-4C0E-991C-872DBB7459A8}" type="datetimeFigureOut">
               <a:rPr lang="da-DK" smtClean="0"/>
-              <a:t>01-02-2018</a:t>
+              <a:t>11-02-2018</a:t>
             </a:fld>
             <a:endParaRPr lang="da-DK"/>
           </a:p>
@@ -2578,7 +2577,7 @@
           <a:p>
             <a:fld id="{E15B7D8E-2A20-4C0E-991C-872DBB7459A8}" type="datetimeFigureOut">
               <a:rPr lang="da-DK" smtClean="0"/>
-              <a:t>01-02-2018</a:t>
+              <a:t>11-02-2018</a:t>
             </a:fld>
             <a:endParaRPr lang="da-DK"/>
           </a:p>
@@ -3163,31 +3162,7 @@
                   <a:schemeClr val="tx1"/>
                 </a:solidFill>
               </a:rPr>
-              <a:t> </a:t>
-            </a:r>
-            <a:r>
-              <a:rPr lang="da-DK" sz="2400" smtClean="0">
-                <a:solidFill>
-                  <a:schemeClr val="tx1"/>
-                </a:solidFill>
-              </a:rPr>
-              <a:t>(part of </a:t>
-            </a:r>
-            <a:r>
-              <a:rPr lang="da-DK" sz="2400" smtClean="0">
-                <a:solidFill>
-                  <a:schemeClr val="tx1"/>
-                </a:solidFill>
-              </a:rPr>
-              <a:t>C# </a:t>
-            </a:r>
-            <a:r>
-              <a:rPr lang="da-DK" sz="2400" smtClean="0">
-                <a:solidFill>
-                  <a:schemeClr val="tx1"/>
-                </a:solidFill>
-              </a:rPr>
-              <a:t>language)</a:t>
+              <a:t> (part of C# language)</a:t>
             </a:r>
           </a:p>
           <a:p>
@@ -3465,11 +3440,6 @@
               </a:rPr>
               <a:t>of the variable</a:t>
             </a:r>
-            <a:endParaRPr lang="da-DK" sz="2400" smtClean="0">
-              <a:solidFill>
-                <a:schemeClr val="tx1"/>
-              </a:solidFill>
-            </a:endParaRPr>
           </a:p>
           <a:p>
             <a:r>
@@ -3496,11 +3466,6 @@
               </a:rPr>
               <a:t>(must obey syntax)!</a:t>
             </a:r>
-            <a:endParaRPr lang="da-DK" sz="2400" smtClean="0">
-              <a:solidFill>
-                <a:schemeClr val="tx1"/>
-              </a:solidFill>
-            </a:endParaRPr>
           </a:p>
           <a:p>
             <a:r>
@@ -3527,11 +3492,6 @@
               </a:rPr>
               <a:t>names, but…</a:t>
             </a:r>
-            <a:endParaRPr lang="da-DK" sz="2400" smtClean="0">
-              <a:solidFill>
-                <a:schemeClr val="tx1"/>
-              </a:solidFill>
-            </a:endParaRPr>
           </a:p>
           <a:p>
             <a:r>
@@ -3914,15 +3874,7 @@
                   <a:schemeClr val="tx1"/>
                 </a:solidFill>
               </a:rPr>
-              <a:t> </a:t>
-            </a:r>
-            <a:r>
-              <a:rPr lang="da-DK" sz="2400" smtClean="0">
-                <a:solidFill>
-                  <a:schemeClr val="tx1"/>
-                </a:solidFill>
-              </a:rPr>
-              <a:t>of value to variable</a:t>
+              <a:t> of value to variable</a:t>
             </a:r>
             <a:endParaRPr lang="da-DK" sz="2400" b="1" smtClean="0">
               <a:solidFill>
@@ -3937,23 +3889,7 @@
                   <a:schemeClr val="tx1"/>
                 </a:solidFill>
               </a:rPr>
-              <a:t>Left side</a:t>
-            </a:r>
-            <a:r>
-              <a:rPr lang="da-DK" sz="2400" smtClean="0">
-                <a:solidFill>
-                  <a:schemeClr val="tx1"/>
-                </a:solidFill>
-              </a:rPr>
-              <a:t>: </a:t>
-            </a:r>
-            <a:r>
-              <a:rPr lang="da-DK" sz="2400" smtClean="0">
-                <a:solidFill>
-                  <a:schemeClr val="tx1"/>
-                </a:solidFill>
-              </a:rPr>
-              <a:t>a </a:t>
+              <a:t>Left side: a </a:t>
             </a:r>
             <a:r>
               <a:rPr lang="da-DK" sz="2400" b="1" smtClean="0">
@@ -3963,11 +3899,6 @@
               </a:rPr>
               <a:t>variable</a:t>
             </a:r>
-            <a:endParaRPr lang="da-DK" sz="2400" b="1" smtClean="0">
-              <a:solidFill>
-                <a:schemeClr val="tx1"/>
-              </a:solidFill>
-            </a:endParaRPr>
           </a:p>
           <a:p>
             <a:r>
@@ -3976,23 +3907,7 @@
                   <a:schemeClr val="tx1"/>
                 </a:solidFill>
               </a:rPr>
-              <a:t>Right side</a:t>
-            </a:r>
-            <a:r>
-              <a:rPr lang="da-DK" sz="2400" smtClean="0">
-                <a:solidFill>
-                  <a:schemeClr val="tx1"/>
-                </a:solidFill>
-              </a:rPr>
-              <a:t>: </a:t>
-            </a:r>
-            <a:r>
-              <a:rPr lang="da-DK" sz="2400" smtClean="0">
-                <a:solidFill>
-                  <a:schemeClr val="tx1"/>
-                </a:solidFill>
-              </a:rPr>
-              <a:t>an </a:t>
+              <a:t>Right side: an </a:t>
             </a:r>
             <a:r>
               <a:rPr lang="da-DK" sz="2400" b="1" smtClean="0">
@@ -4002,11 +3917,6 @@
               </a:rPr>
               <a:t>expression</a:t>
             </a:r>
-            <a:endParaRPr lang="da-DK" sz="2400" b="1" smtClean="0">
-              <a:solidFill>
-                <a:schemeClr val="tx1"/>
-              </a:solidFill>
-            </a:endParaRPr>
           </a:p>
           <a:p>
             <a:r>
@@ -4304,11 +4214,6 @@
               </a:rPr>
               <a:t>(value, variable, arithmetic)</a:t>
             </a:r>
-            <a:endParaRPr lang="da-DK" sz="2400" smtClean="0">
-              <a:solidFill>
-                <a:schemeClr val="tx1"/>
-              </a:solidFill>
-            </a:endParaRPr>
           </a:p>
           <a:p>
             <a:r>
@@ -4319,11 +4224,6 @@
               </a:rPr>
               <a:t>Combination of above</a:t>
             </a:r>
-            <a:endParaRPr lang="da-DK" sz="2400" smtClean="0">
-              <a:solidFill>
-                <a:schemeClr val="tx1"/>
-              </a:solidFill>
-            </a:endParaRPr>
           </a:p>
           <a:p>
             <a:r>
@@ -4453,139 +4353,6 @@
     <p:bldLst>
       <p:bldP spid="3" grpId="0" animBg="1"/>
     </p:bldLst>
-  </p:timing>
-</p:sld>
-</file>
-
-<file path=ppt/slides/slide15.xml><?xml version="1.0" encoding="utf-8"?>
-<p:sld xmlns:a="http://schemas.openxmlformats.org/drawingml/2006/main" xmlns:r="http://schemas.openxmlformats.org/officeDocument/2006/relationships" xmlns:p="http://schemas.openxmlformats.org/presentationml/2006/main">
-  <p:cSld>
-    <p:spTree>
-      <p:nvGrpSpPr>
-        <p:cNvPr id="1" name=""/>
-        <p:cNvGrpSpPr/>
-        <p:nvPr/>
-      </p:nvGrpSpPr>
-      <p:grpSpPr>
-        <a:xfrm>
-          <a:off x="0" y="0"/>
-          <a:ext cx="0" cy="0"/>
-          <a:chOff x="0" y="0"/>
-          <a:chExt cx="0" cy="0"/>
-        </a:xfrm>
-      </p:grpSpPr>
-      <p:sp>
-        <p:nvSpPr>
-          <p:cNvPr id="6" name="Tekstfelt 5"/>
-          <p:cNvSpPr txBox="1"/>
-          <p:nvPr/>
-        </p:nvSpPr>
-        <p:spPr>
-          <a:xfrm>
-            <a:off x="952500" y="2382253"/>
-            <a:ext cx="10341293" cy="1323439"/>
-          </a:xfrm>
-          <a:prstGeom prst="rect">
-            <a:avLst/>
-          </a:prstGeom>
-          <a:noFill/>
-        </p:spPr>
-        <p:txBody>
-          <a:bodyPr wrap="none" rtlCol="0">
-            <a:spAutoFit/>
-          </a:bodyPr>
-          <a:lstStyle/>
-          <a:p>
-            <a:r>
-              <a:rPr lang="da-DK" sz="8000" smtClean="0">
-                <a:solidFill>
-                  <a:schemeClr val="accent1">
-                    <a:lumMod val="60000"/>
-                    <a:lumOff val="40000"/>
-                  </a:schemeClr>
-                </a:solidFill>
-                <a:latin typeface="Consolas" panose="020B0609020204030204" pitchFamily="49" charset="0"/>
-              </a:rPr>
-              <a:t>int</a:t>
-            </a:r>
-            <a:r>
-              <a:rPr lang="da-DK" sz="8000" smtClean="0">
-                <a:latin typeface="Consolas" panose="020B0609020204030204" pitchFamily="49" charset="0"/>
-              </a:rPr>
-              <a:t> </a:t>
-            </a:r>
-            <a:r>
-              <a:rPr lang="da-DK" sz="8000" smtClean="0">
-                <a:solidFill>
-                  <a:schemeClr val="bg2">
-                    <a:lumMod val="75000"/>
-                  </a:schemeClr>
-                </a:solidFill>
-                <a:latin typeface="Consolas" panose="020B0609020204030204" pitchFamily="49" charset="0"/>
-              </a:rPr>
-              <a:t>age</a:t>
-            </a:r>
-            <a:r>
-              <a:rPr lang="da-DK" sz="8000" smtClean="0">
-                <a:latin typeface="Consolas" panose="020B0609020204030204" pitchFamily="49" charset="0"/>
-              </a:rPr>
-              <a:t> </a:t>
-            </a:r>
-            <a:r>
-              <a:rPr lang="da-DK" sz="8000" smtClean="0">
-                <a:solidFill>
-                  <a:schemeClr val="bg2">
-                    <a:lumMod val="75000"/>
-                  </a:schemeClr>
-                </a:solidFill>
-                <a:latin typeface="Consolas" panose="020B0609020204030204" pitchFamily="49" charset="0"/>
-              </a:rPr>
-              <a:t>=</a:t>
-            </a:r>
-            <a:r>
-              <a:rPr lang="da-DK" sz="8000" smtClean="0">
-                <a:latin typeface="Consolas" panose="020B0609020204030204" pitchFamily="49" charset="0"/>
-              </a:rPr>
-              <a:t> age + 2</a:t>
-            </a:r>
-            <a:r>
-              <a:rPr lang="da-DK" sz="8000" smtClean="0">
-                <a:solidFill>
-                  <a:schemeClr val="bg2">
-                    <a:lumMod val="75000"/>
-                  </a:schemeClr>
-                </a:solidFill>
-                <a:latin typeface="Consolas" panose="020B0609020204030204" pitchFamily="49" charset="0"/>
-              </a:rPr>
-              <a:t>;</a:t>
-            </a:r>
-            <a:endParaRPr lang="da-DK" sz="8000">
-              <a:solidFill>
-                <a:schemeClr val="bg2">
-                  <a:lumMod val="75000"/>
-                </a:schemeClr>
-              </a:solidFill>
-              <a:latin typeface="Consolas" panose="020B0609020204030204" pitchFamily="49" charset="0"/>
-            </a:endParaRPr>
-          </a:p>
-        </p:txBody>
-      </p:sp>
-    </p:spTree>
-    <p:extLst>
-      <p:ext uri="{BB962C8B-B14F-4D97-AF65-F5344CB8AC3E}">
-        <p14:creationId xmlns:p14="http://schemas.microsoft.com/office/powerpoint/2010/main" val="1722387299"/>
-      </p:ext>
-    </p:extLst>
-  </p:cSld>
-  <p:clrMapOvr>
-    <a:masterClrMapping/>
-  </p:clrMapOvr>
-  <p:timing>
-    <p:tnLst>
-      <p:par>
-        <p:cTn id="1" dur="indefinite" restart="never" nodeType="tmRoot"/>
-      </p:par>
-    </p:tnLst>
   </p:timing>
 </p:sld>
 </file>
